--- a/P7_04_Presentation.pptx
+++ b/P7_04_Presentation.pptx
@@ -1093,14 +1093,14 @@
           <a:bodyPr/>
           <a:lstStyle/>
           <a:p>
-            <a:endParaRPr lang="en-US" dirty="0"/>
+            <a:endParaRPr lang="fr-FR" dirty="0"/>
           </a:p>
         </p:txBody>
       </p:sp>
     </p:spTree>
     <p:extLst>
       <p:ext uri="{BB962C8B-B14F-4D97-AF65-F5344CB8AC3E}">
-        <p14:creationId xmlns:p14="http://schemas.microsoft.com/office/powerpoint/2010/main" val="2574458395"/>
+        <p14:creationId xmlns:p14="http://schemas.microsoft.com/office/powerpoint/2010/main" val="3634513360"/>
       </p:ext>
     </p:extLst>
   </p:cSld>
@@ -1166,7 +1166,7 @@
     </p:spTree>
     <p:extLst>
       <p:ext uri="{BB962C8B-B14F-4D97-AF65-F5344CB8AC3E}">
-        <p14:creationId xmlns:p14="http://schemas.microsoft.com/office/powerpoint/2010/main" val="2926627691"/>
+        <p14:creationId xmlns:p14="http://schemas.microsoft.com/office/powerpoint/2010/main" val="2574458395"/>
       </p:ext>
     </p:extLst>
   </p:cSld>
@@ -1232,7 +1232,7 @@
     </p:spTree>
     <p:extLst>
       <p:ext uri="{BB962C8B-B14F-4D97-AF65-F5344CB8AC3E}">
-        <p14:creationId xmlns:p14="http://schemas.microsoft.com/office/powerpoint/2010/main" val="1381937139"/>
+        <p14:creationId xmlns:p14="http://schemas.microsoft.com/office/powerpoint/2010/main" val="2926627691"/>
       </p:ext>
     </p:extLst>
   </p:cSld>
@@ -1298,7 +1298,7 @@
     </p:spTree>
     <p:extLst>
       <p:ext uri="{BB962C8B-B14F-4D97-AF65-F5344CB8AC3E}">
-        <p14:creationId xmlns:p14="http://schemas.microsoft.com/office/powerpoint/2010/main" val="4006431377"/>
+        <p14:creationId xmlns:p14="http://schemas.microsoft.com/office/powerpoint/2010/main" val="1381937139"/>
       </p:ext>
     </p:extLst>
   </p:cSld>
@@ -1364,7 +1364,7 @@
     </p:spTree>
     <p:extLst>
       <p:ext uri="{BB962C8B-B14F-4D97-AF65-F5344CB8AC3E}">
-        <p14:creationId xmlns:p14="http://schemas.microsoft.com/office/powerpoint/2010/main" val="1265771282"/>
+        <p14:creationId xmlns:p14="http://schemas.microsoft.com/office/powerpoint/2010/main" val="4006431377"/>
       </p:ext>
     </p:extLst>
   </p:cSld>
@@ -1430,6 +1430,72 @@
     </p:spTree>
     <p:extLst>
       <p:ext uri="{BB962C8B-B14F-4D97-AF65-F5344CB8AC3E}">
+        <p14:creationId xmlns:p14="http://schemas.microsoft.com/office/powerpoint/2010/main" val="1265771282"/>
+      </p:ext>
+    </p:extLst>
+  </p:cSld>
+  <p:clrMapOvr>
+    <a:masterClrMapping/>
+  </p:clrMapOvr>
+</p:notes>
+</file>
+
+<file path=ppt/notesSlides/notesSlide8.xml><?xml version="1.0" encoding="utf-8"?>
+<p:notes xmlns:a="http://schemas.openxmlformats.org/drawingml/2006/main" xmlns:r="http://schemas.openxmlformats.org/officeDocument/2006/relationships" xmlns:p="http://schemas.openxmlformats.org/presentationml/2006/main">
+  <p:cSld>
+    <p:spTree>
+      <p:nvGrpSpPr>
+        <p:cNvPr id="1" name=""/>
+        <p:cNvGrpSpPr/>
+        <p:nvPr/>
+      </p:nvGrpSpPr>
+      <p:grpSpPr>
+        <a:xfrm>
+          <a:off x="0" y="0"/>
+          <a:ext cx="0" cy="0"/>
+          <a:chOff x="0" y="0"/>
+          <a:chExt cx="0" cy="0"/>
+        </a:xfrm>
+      </p:grpSpPr>
+      <p:sp>
+        <p:nvSpPr>
+          <p:cNvPr id="2" name="Slide Image Placeholder 1"/>
+          <p:cNvSpPr>
+            <a:spLocks noGrp="1" noRot="1" noChangeAspect="1"/>
+          </p:cNvSpPr>
+          <p:nvPr>
+            <p:ph type="sldImg"/>
+          </p:nvPr>
+        </p:nvSpPr>
+        <p:spPr>
+          <a:xfrm>
+            <a:off x="381000" y="685800"/>
+            <a:ext cx="6096000" cy="3429000"/>
+          </a:xfrm>
+        </p:spPr>
+      </p:sp>
+      <p:sp>
+        <p:nvSpPr>
+          <p:cNvPr id="3" name="Notes Placeholder 2"/>
+          <p:cNvSpPr>
+            <a:spLocks noGrp="1"/>
+          </p:cNvSpPr>
+          <p:nvPr>
+            <p:ph type="body" idx="1"/>
+          </p:nvPr>
+        </p:nvSpPr>
+        <p:spPr/>
+        <p:txBody>
+          <a:bodyPr/>
+          <a:lstStyle/>
+          <a:p>
+            <a:endParaRPr lang="en-US" dirty="0"/>
+          </a:p>
+        </p:txBody>
+      </p:sp>
+    </p:spTree>
+    <p:extLst>
+      <p:ext uri="{BB962C8B-B14F-4D97-AF65-F5344CB8AC3E}">
         <p14:creationId xmlns:p14="http://schemas.microsoft.com/office/powerpoint/2010/main" val="1010771912"/>
       </p:ext>
     </p:extLst>
@@ -1440,7 +1506,7 @@
 </p:notes>
 </file>
 
-<file path=ppt/notesSlides/notesSlide8.xml><?xml version="1.0" encoding="utf-8"?>
+<file path=ppt/notesSlides/notesSlide9.xml><?xml version="1.0" encoding="utf-8"?>
 <p:notes xmlns:a="http://schemas.openxmlformats.org/drawingml/2006/main" xmlns:r="http://schemas.openxmlformats.org/officeDocument/2006/relationships" xmlns:p="http://schemas.openxmlformats.org/presentationml/2006/main">
   <p:cSld>
     <p:spTree>
@@ -17125,9 +17191,18 @@
                 </a:solidFill>
                 <a:sym typeface="Wingdings" panose="05000000000000000000" pitchFamily="2" charset="2"/>
               </a:rPr>
-              <a:t> Final Accuracy = </a:t>
+              <a:t> </a:t>
             </a:r>
-            <a:endParaRPr lang="en-US" sz="1400" dirty="0">
+            <a:r>
+              <a:rPr lang="en-US" sz="1400" b="1" dirty="0">
+                <a:solidFill>
+                  <a:schemeClr val="tx1"/>
+                </a:solidFill>
+                <a:sym typeface="Wingdings" panose="05000000000000000000" pitchFamily="2" charset="2"/>
+              </a:rPr>
+              <a:t>Final Accuracy = 0.673</a:t>
+            </a:r>
+            <a:endParaRPr lang="en-US" sz="1400" b="1" dirty="0">
               <a:solidFill>
                 <a:schemeClr val="tx1"/>
               </a:solidFill>
@@ -17228,16 +17303,15 @@
           </p:cNvPicPr>
           <p:nvPr/>
         </p:nvPicPr>
-        <p:blipFill>
+        <p:blipFill rotWithShape="1">
           <a:blip r:embed="rId3"/>
-          <a:stretch>
-            <a:fillRect/>
-          </a:stretch>
+          <a:srcRect b="10253"/>
+          <a:stretch/>
         </p:blipFill>
         <p:spPr>
           <a:xfrm>
             <a:off x="4572000" y="0"/>
-            <a:ext cx="4572000" cy="3949547"/>
+            <a:ext cx="4572000" cy="3544630"/>
           </a:xfrm>
           <a:prstGeom prst="rect">
             <a:avLst/>
@@ -17535,6 +17609,122 @@
                 <a:schemeClr val="tx1"/>
               </a:solidFill>
             </a:endParaRPr>
+          </a:p>
+        </p:txBody>
+      </p:sp>
+      <p:pic>
+        <p:nvPicPr>
+          <p:cNvPr id="5" name="Picture 4">
+            <a:extLst>
+              <a:ext uri="{FF2B5EF4-FFF2-40B4-BE49-F238E27FC236}">
+                <a16:creationId xmlns:a16="http://schemas.microsoft.com/office/drawing/2014/main" id="{B67BD4F6-F03B-5989-69EB-50BE08BB631E}"/>
+              </a:ext>
+            </a:extLst>
+          </p:cNvPr>
+          <p:cNvPicPr>
+            <a:picLocks noChangeAspect="1"/>
+          </p:cNvPicPr>
+          <p:nvPr/>
+        </p:nvPicPr>
+        <p:blipFill>
+          <a:blip r:embed="rId4"/>
+          <a:stretch>
+            <a:fillRect/>
+          </a:stretch>
+        </p:blipFill>
+        <p:spPr>
+          <a:xfrm>
+            <a:off x="4572000" y="3544767"/>
+            <a:ext cx="1801833" cy="1583113"/>
+          </a:xfrm>
+          <a:prstGeom prst="rect">
+            <a:avLst/>
+          </a:prstGeom>
+          <a:ln>
+            <a:solidFill>
+              <a:schemeClr val="tx1"/>
+            </a:solidFill>
+          </a:ln>
+        </p:spPr>
+      </p:pic>
+      <p:pic>
+        <p:nvPicPr>
+          <p:cNvPr id="13" name="Picture 12">
+            <a:extLst>
+              <a:ext uri="{FF2B5EF4-FFF2-40B4-BE49-F238E27FC236}">
+                <a16:creationId xmlns:a16="http://schemas.microsoft.com/office/drawing/2014/main" id="{CB7E00E0-82B1-2E6F-C544-A2BE77E0B849}"/>
+              </a:ext>
+            </a:extLst>
+          </p:cNvPr>
+          <p:cNvPicPr>
+            <a:picLocks noChangeAspect="1"/>
+          </p:cNvPicPr>
+          <p:nvPr/>
+        </p:nvPicPr>
+        <p:blipFill rotWithShape="1">
+          <a:blip r:embed="rId5"/>
+          <a:srcRect l="3404"/>
+          <a:stretch/>
+        </p:blipFill>
+        <p:spPr>
+          <a:xfrm>
+            <a:off x="6378570" y="3720687"/>
+            <a:ext cx="2765430" cy="1148107"/>
+          </a:xfrm>
+          <a:prstGeom prst="rect">
+            <a:avLst/>
+          </a:prstGeom>
+          <a:ln>
+            <a:solidFill>
+              <a:schemeClr val="tx1"/>
+            </a:solidFill>
+          </a:ln>
+        </p:spPr>
+      </p:pic>
+      <p:sp>
+        <p:nvSpPr>
+          <p:cNvPr id="14" name="TextBox 13">
+            <a:extLst>
+              <a:ext uri="{FF2B5EF4-FFF2-40B4-BE49-F238E27FC236}">
+                <a16:creationId xmlns:a16="http://schemas.microsoft.com/office/drawing/2014/main" id="{5DA55EF2-4FCF-7D35-4D58-FDA2A36712DA}"/>
+              </a:ext>
+            </a:extLst>
+          </p:cNvPr>
+          <p:cNvSpPr txBox="1"/>
+          <p:nvPr/>
+        </p:nvSpPr>
+        <p:spPr>
+          <a:xfrm>
+            <a:off x="6478535" y="4560949"/>
+            <a:ext cx="1487908" cy="307777"/>
+          </a:xfrm>
+          <a:prstGeom prst="rect">
+            <a:avLst/>
+          </a:prstGeom>
+          <a:noFill/>
+        </p:spPr>
+        <p:txBody>
+          <a:bodyPr wrap="none" rtlCol="0">
+            <a:spAutoFit/>
+          </a:bodyPr>
+          <a:lstStyle/>
+          <a:p>
+            <a:r>
+              <a:rPr lang="fr-FR" b="1" dirty="0" err="1">
+                <a:solidFill>
+                  <a:srgbClr val="FF0000"/>
+                </a:solidFill>
+              </a:rPr>
+              <a:t>Accuracy</a:t>
+            </a:r>
+            <a:r>
+              <a:rPr lang="fr-FR" b="1" dirty="0">
+                <a:solidFill>
+                  <a:srgbClr val="FF0000"/>
+                </a:solidFill>
+              </a:rPr>
+              <a:t> 0.673</a:t>
+            </a:r>
           </a:p>
         </p:txBody>
       </p:sp>
@@ -18256,7 +18446,7 @@
                 </a:solidFill>
                 <a:sym typeface="Wingdings" panose="05000000000000000000" pitchFamily="2" charset="2"/>
               </a:rPr>
-              <a:t>During this project, image and text data from the Yelp dataset has been </a:t>
+              <a:t>During this project, </a:t>
             </a:r>
             <a:r>
               <a:rPr lang="en-US" sz="1600" b="1" dirty="0">
@@ -18265,11 +18455,20 @@
                 </a:solidFill>
                 <a:sym typeface="Wingdings" panose="05000000000000000000" pitchFamily="2" charset="2"/>
               </a:rPr>
-              <a:t>analyzed and preprocessed.</a:t>
+              <a:t>Sentiment Analysis </a:t>
             </a:r>
-          </a:p>
-          <a:p>
-            <a:endParaRPr lang="en-US" sz="800" dirty="0">
+            <a:r>
+              <a:rPr lang="en-US" sz="1600" dirty="0">
+                <a:solidFill>
+                  <a:schemeClr val="tx1"/>
+                </a:solidFill>
+                <a:sym typeface="Wingdings" panose="05000000000000000000" pitchFamily="2" charset="2"/>
+              </a:rPr>
+              <a:t>has been performed on Twitter posts.</a:t>
+            </a:r>
+          </a:p>
+          <a:p>
+            <a:endParaRPr lang="en-US" sz="800" b="1" dirty="0">
               <a:solidFill>
                 <a:schemeClr val="tx1"/>
               </a:solidFill>
@@ -18278,13 +18477,22 @@
           </a:p>
           <a:p>
             <a:r>
-              <a:rPr lang="en-US" sz="1600" dirty="0">
+              <a:rPr lang="en-US" sz="1600" b="1" dirty="0">
                 <a:solidFill>
                   <a:schemeClr val="tx1"/>
                 </a:solidFill>
                 <a:sym typeface="Wingdings" panose="05000000000000000000" pitchFamily="2" charset="2"/>
               </a:rPr>
-              <a:t>We have outlined a topic identification algorithm and identified the 3 main topics of dissatisfaction among Yelp Reviews :</a:t>
+              <a:t>Recommendations </a:t>
+            </a:r>
+            <a:r>
+              <a:rPr lang="en-US" sz="1600" dirty="0">
+                <a:solidFill>
+                  <a:schemeClr val="tx1"/>
+                </a:solidFill>
+                <a:sym typeface="Wingdings" panose="05000000000000000000" pitchFamily="2" charset="2"/>
+              </a:rPr>
+              <a:t>: </a:t>
             </a:r>
           </a:p>
           <a:p>
@@ -18299,8 +18507,19 @@
                 </a:solidFill>
                 <a:sym typeface="Wingdings" panose="05000000000000000000" pitchFamily="2" charset="2"/>
               </a:rPr>
-              <a:t>Restaurant cleanliness</a:t>
+              <a:t>Reconsider using commercial API  low accuracy (0.72) for high price.</a:t>
             </a:r>
+          </a:p>
+          <a:p>
+            <a:pPr marL="628650" lvl="1" indent="0">
+              <a:buNone/>
+            </a:pPr>
+            <a:endParaRPr lang="en-US" sz="1600" b="1" dirty="0">
+              <a:solidFill>
+                <a:schemeClr val="tx1"/>
+              </a:solidFill>
+              <a:sym typeface="Wingdings" panose="05000000000000000000" pitchFamily="2" charset="2"/>
+            </a:endParaRPr>
           </a:p>
           <a:p>
             <a:pPr lvl="1">
@@ -18314,7 +18533,7 @@
                 </a:solidFill>
                 <a:sym typeface="Wingdings" panose="05000000000000000000" pitchFamily="2" charset="2"/>
               </a:rPr>
-              <a:t>Bad attitude </a:t>
+              <a:t>Basic Model with Designer  low accuracy (0.67), </a:t>
             </a:r>
             <a:r>
               <a:rPr lang="en-US" sz="1600" dirty="0">
@@ -18323,8 +18542,28 @@
                 </a:solidFill>
                 <a:sym typeface="Wingdings" panose="05000000000000000000" pitchFamily="2" charset="2"/>
               </a:rPr>
-              <a:t>from the bartender</a:t>
+              <a:t>consider using </a:t>
             </a:r>
+            <a:r>
+              <a:rPr lang="en-US" sz="1600" b="1" dirty="0">
+                <a:solidFill>
+                  <a:schemeClr val="tx1"/>
+                </a:solidFill>
+                <a:sym typeface="Wingdings" panose="05000000000000000000" pitchFamily="2" charset="2"/>
+              </a:rPr>
+              <a:t>a simple Deep Learning Model instead</a:t>
+            </a:r>
+          </a:p>
+          <a:p>
+            <a:pPr marL="628650" lvl="1" indent="0">
+              <a:buNone/>
+            </a:pPr>
+            <a:endParaRPr lang="en-US" sz="1600" b="1" dirty="0">
+              <a:solidFill>
+                <a:schemeClr val="tx1"/>
+              </a:solidFill>
+              <a:sym typeface="Wingdings" panose="05000000000000000000" pitchFamily="2" charset="2"/>
+            </a:endParaRPr>
           </a:p>
           <a:p>
             <a:pPr lvl="1">
@@ -18332,20 +18571,39 @@
               <a:buChar char="Ø"/>
             </a:pPr>
             <a:r>
-              <a:rPr lang="en-US" sz="1600" b="1" dirty="0">
+              <a:rPr lang="en-US" sz="1600" dirty="0">
                 <a:solidFill>
                   <a:schemeClr val="tx1"/>
                 </a:solidFill>
                 <a:sym typeface="Wingdings" panose="05000000000000000000" pitchFamily="2" charset="2"/>
               </a:rPr>
-              <a:t>Overpriced food and poor service</a:t>
+              <a:t>Use </a:t>
             </a:r>
-          </a:p>
-          <a:p>
-            <a:pPr marL="171450" indent="0">
-              <a:buNone/>
+            <a:r>
+              <a:rPr lang="en-US" sz="1600" b="1" dirty="0">
+                <a:solidFill>
+                  <a:schemeClr val="tx1"/>
+                </a:solidFill>
+                <a:sym typeface="Wingdings" panose="05000000000000000000" pitchFamily="2" charset="2"/>
+              </a:rPr>
+              <a:t>BERT model + RNN </a:t>
+            </a:r>
+            <a:r>
+              <a:rPr lang="en-US" sz="1600" dirty="0">
+                <a:solidFill>
+                  <a:schemeClr val="tx1"/>
+                </a:solidFill>
+                <a:sym typeface="Wingdings" panose="05000000000000000000" pitchFamily="2" charset="2"/>
+              </a:rPr>
+              <a:t>for Advanced Customizable Model</a:t>
+            </a:r>
+          </a:p>
+          <a:p>
+            <a:pPr lvl="1">
+              <a:buFont typeface="Wingdings" panose="05000000000000000000" pitchFamily="2" charset="2"/>
+              <a:buChar char="Ø"/>
             </a:pPr>
-            <a:endParaRPr lang="en-US" sz="800" dirty="0">
+            <a:endParaRPr lang="en-US" sz="1600" dirty="0">
               <a:solidFill>
                 <a:schemeClr val="tx1"/>
               </a:solidFill>
@@ -18353,82 +18611,19 @@
             </a:endParaRPr>
           </a:p>
           <a:p>
-            <a:r>
-              <a:rPr lang="en-US" sz="1600" dirty="0">
-                <a:solidFill>
-                  <a:schemeClr val="tx1"/>
-                </a:solidFill>
-                <a:sym typeface="Wingdings" panose="05000000000000000000" pitchFamily="2" charset="2"/>
-              </a:rPr>
-              <a:t>We have defined a </a:t>
-            </a:r>
-            <a:r>
-              <a:rPr lang="en-US" sz="1600" b="1" dirty="0">
-                <a:solidFill>
-                  <a:schemeClr val="tx1"/>
-                </a:solidFill>
-                <a:sym typeface="Wingdings" panose="05000000000000000000" pitchFamily="2" charset="2"/>
-              </a:rPr>
-              <a:t>draft image classification model </a:t>
-            </a:r>
-            <a:r>
-              <a:rPr lang="en-US" sz="1600" dirty="0">
-                <a:solidFill>
-                  <a:schemeClr val="tx1"/>
-                </a:solidFill>
-                <a:sym typeface="Wingdings" panose="05000000000000000000" pitchFamily="2" charset="2"/>
-              </a:rPr>
-              <a:t> proof that Good Dinner’s AI will be able to label images with collected images.</a:t>
-            </a:r>
-          </a:p>
-          <a:p>
-            <a:endParaRPr lang="en-US" sz="800" b="1" dirty="0">
-              <a:solidFill>
-                <a:schemeClr val="tx1"/>
-              </a:solidFill>
-              <a:sym typeface="Wingdings" panose="05000000000000000000" pitchFamily="2" charset="2"/>
-            </a:endParaRPr>
-          </a:p>
-          <a:p>
-            <a:r>
-              <a:rPr lang="en-US" sz="1600" b="1" dirty="0">
-                <a:solidFill>
-                  <a:schemeClr val="tx1"/>
-                </a:solidFill>
-                <a:sym typeface="Wingdings" panose="05000000000000000000" pitchFamily="2" charset="2"/>
-              </a:rPr>
-              <a:t>Recommendations </a:t>
-            </a:r>
-            <a:r>
-              <a:rPr lang="en-US" sz="1600" dirty="0">
-                <a:solidFill>
-                  <a:schemeClr val="tx1"/>
-                </a:solidFill>
-                <a:sym typeface="Wingdings" panose="05000000000000000000" pitchFamily="2" charset="2"/>
-              </a:rPr>
-              <a:t>: </a:t>
-            </a:r>
-          </a:p>
-          <a:p>
             <a:pPr lvl="1">
               <a:buFont typeface="Wingdings" panose="05000000000000000000" pitchFamily="2" charset="2"/>
               <a:buChar char="Ø"/>
             </a:pPr>
             <a:r>
-              <a:rPr lang="en-US" sz="1600" b="1" dirty="0">
+              <a:rPr lang="en-US" sz="1600" dirty="0">
                 <a:solidFill>
                   <a:schemeClr val="tx1"/>
                 </a:solidFill>
                 <a:sym typeface="Wingdings" panose="05000000000000000000" pitchFamily="2" charset="2"/>
               </a:rPr>
-              <a:t>Improve restaurant cleanliness, serving staff attitude and value for money</a:t>
+              <a:t>Improve current model </a:t>
             </a:r>
-          </a:p>
-          <a:p>
-            <a:pPr lvl="1">
-              <a:buFont typeface="Wingdings" panose="05000000000000000000" pitchFamily="2" charset="2"/>
-              <a:buChar char="Ø"/>
-            </a:pPr>
             <a:r>
               <a:rPr lang="en-US" sz="1600" b="1" dirty="0">
                 <a:solidFill>
@@ -18436,7 +18631,7 @@
                 </a:solidFill>
                 <a:sym typeface="Wingdings" panose="05000000000000000000" pitchFamily="2" charset="2"/>
               </a:rPr>
-              <a:t>Improve classification model</a:t>
+              <a:t>with more training epochs </a:t>
             </a:r>
             <a:r>
               <a:rPr lang="en-US" sz="1600" dirty="0">
@@ -18445,7 +18640,7 @@
                 </a:solidFill>
                 <a:sym typeface="Wingdings" panose="05000000000000000000" pitchFamily="2" charset="2"/>
               </a:rPr>
-              <a:t> with fine tuning </a:t>
+              <a:t>and </a:t>
             </a:r>
             <a:r>
               <a:rPr lang="en-US" sz="1600" b="1" dirty="0">
@@ -18454,7 +18649,7 @@
                 </a:solidFill>
                 <a:sym typeface="Wingdings" panose="05000000000000000000" pitchFamily="2" charset="2"/>
               </a:rPr>
-              <a:t>to identify labels with high accuracy</a:t>
+              <a:t>better compute instances</a:t>
             </a:r>
           </a:p>
           <a:p>
@@ -18471,113 +18666,6 @@
           </a:p>
           <a:p>
             <a:pPr lvl="1">
-              <a:buFont typeface="Arial" panose="020B0604020202020204" pitchFamily="34" charset="0"/>
-              <a:buChar char="•"/>
-            </a:pPr>
-            <a:endParaRPr lang="en-US" sz="1600" b="1" dirty="0">
-              <a:solidFill>
-                <a:schemeClr val="tx1"/>
-              </a:solidFill>
-              <a:sym typeface="Wingdings" panose="05000000000000000000" pitchFamily="2" charset="2"/>
-            </a:endParaRPr>
-          </a:p>
-          <a:p>
-            <a:pPr lvl="1">
-              <a:buFont typeface="Wingdings" panose="05000000000000000000" pitchFamily="2" charset="2"/>
-              <a:buChar char="Ø"/>
-            </a:pPr>
-            <a:endParaRPr lang="en-US" sz="1600" dirty="0">
-              <a:solidFill>
-                <a:schemeClr val="tx1"/>
-              </a:solidFill>
-              <a:sym typeface="Wingdings" panose="05000000000000000000" pitchFamily="2" charset="2"/>
-            </a:endParaRPr>
-          </a:p>
-          <a:p>
-            <a:endParaRPr lang="en-US" sz="1000" dirty="0">
-              <a:solidFill>
-                <a:schemeClr val="tx1"/>
-              </a:solidFill>
-              <a:sym typeface="Wingdings" panose="05000000000000000000" pitchFamily="2" charset="2"/>
-            </a:endParaRPr>
-          </a:p>
-          <a:p>
-            <a:r>
-              <a:rPr lang="en-US" sz="1600" dirty="0">
-                <a:solidFill>
-                  <a:schemeClr val="tx1"/>
-                </a:solidFill>
-                <a:sym typeface="Wingdings" panose="05000000000000000000" pitchFamily="2" charset="2"/>
-              </a:rPr>
-              <a:t>These segments can be used to </a:t>
-            </a:r>
-            <a:r>
-              <a:rPr lang="en-US" sz="1600" b="1" dirty="0">
-                <a:solidFill>
-                  <a:schemeClr val="tx1"/>
-                </a:solidFill>
-                <a:sym typeface="Wingdings" panose="05000000000000000000" pitchFamily="2" charset="2"/>
-              </a:rPr>
-              <a:t>optimize marketing efforts </a:t>
-            </a:r>
-            <a:r>
-              <a:rPr lang="en-US" sz="1600" dirty="0">
-                <a:solidFill>
-                  <a:schemeClr val="tx1"/>
-                </a:solidFill>
-                <a:sym typeface="Wingdings" panose="05000000000000000000" pitchFamily="2" charset="2"/>
-              </a:rPr>
-              <a:t>in different ways</a:t>
-            </a:r>
-            <a:r>
-              <a:rPr lang="en-US" sz="1600" b="1" dirty="0">
-                <a:solidFill>
-                  <a:schemeClr val="tx1"/>
-                </a:solidFill>
-                <a:sym typeface="Wingdings" panose="05000000000000000000" pitchFamily="2" charset="2"/>
-              </a:rPr>
-              <a:t>:</a:t>
-            </a:r>
-          </a:p>
-          <a:p>
-            <a:pPr marL="171450" indent="0">
-              <a:buNone/>
-            </a:pPr>
-            <a:endParaRPr lang="en-US" sz="800" b="1" dirty="0">
-              <a:solidFill>
-                <a:schemeClr val="tx1"/>
-              </a:solidFill>
-              <a:sym typeface="Wingdings" panose="05000000000000000000" pitchFamily="2" charset="2"/>
-            </a:endParaRPr>
-          </a:p>
-          <a:p>
-            <a:pPr lvl="2">
-              <a:buFont typeface="Wingdings" panose="05000000000000000000" pitchFamily="2" charset="2"/>
-              <a:buChar char="Ø"/>
-            </a:pPr>
-            <a:r>
-              <a:rPr lang="en-US" sz="1600" b="1" dirty="0">
-                <a:solidFill>
-                  <a:schemeClr val="tx1"/>
-                </a:solidFill>
-                <a:sym typeface="Wingdings" panose="05000000000000000000" pitchFamily="2" charset="2"/>
-              </a:rPr>
-              <a:t>Reduce costs and improve marketing ROI by targeting ideal customers.</a:t>
-            </a:r>
-          </a:p>
-          <a:p>
-            <a:pPr marL="1073150" lvl="2" indent="0">
-              <a:buNone/>
-            </a:pPr>
-            <a:endParaRPr lang="en-US" sz="800" b="1" dirty="0">
-              <a:solidFill>
-                <a:schemeClr val="tx1"/>
-              </a:solidFill>
-              <a:sym typeface="Wingdings" panose="05000000000000000000" pitchFamily="2" charset="2"/>
-            </a:endParaRPr>
-          </a:p>
-          <a:p>
-            <a:pPr lvl="2">
               <a:buFont typeface="Wingdings" panose="05000000000000000000" pitchFamily="2" charset="2"/>
               <a:buChar char="Ø"/>
             </a:pPr>
@@ -18588,7 +18676,7 @@
                 </a:solidFill>
                 <a:sym typeface="Wingdings" panose="05000000000000000000" pitchFamily="2" charset="2"/>
               </a:rPr>
-              <a:t>For local ad campaigns</a:t>
+              <a:t>Implement BERT model to </a:t>
             </a:r>
             <a:r>
               <a:rPr lang="en-US" sz="1600" b="1" dirty="0">
@@ -18597,34 +18685,7 @@
                 </a:solidFill>
                 <a:sym typeface="Wingdings" panose="05000000000000000000" pitchFamily="2" charset="2"/>
               </a:rPr>
-              <a:t>, focus on the products interesting the customers.</a:t>
-            </a:r>
-          </a:p>
-          <a:p>
-            <a:pPr lvl="2">
-              <a:buFont typeface="Wingdings" panose="05000000000000000000" pitchFamily="2" charset="2"/>
-              <a:buChar char="Ø"/>
-            </a:pPr>
-            <a:endParaRPr lang="en-US" sz="800" b="1" dirty="0">
-              <a:solidFill>
-                <a:schemeClr val="tx1"/>
-              </a:solidFill>
-              <a:sym typeface="Wingdings" panose="05000000000000000000" pitchFamily="2" charset="2"/>
-            </a:endParaRPr>
-          </a:p>
-          <a:p>
-            <a:pPr lvl="2">
-              <a:buFont typeface="Wingdings" panose="05000000000000000000" pitchFamily="2" charset="2"/>
-              <a:buChar char="Ø"/>
-            </a:pPr>
-            <a:r>
-              <a:rPr lang="en-US" sz="1600" b="1" dirty="0">
-                <a:solidFill>
-                  <a:schemeClr val="tx1"/>
-                </a:solidFill>
-                <a:sym typeface="Wingdings" panose="05000000000000000000" pitchFamily="2" charset="2"/>
-              </a:rPr>
-              <a:t>Write custom advertisements depending on customer needs </a:t>
+              <a:t>create a Dashboard </a:t>
             </a:r>
             <a:r>
               <a:rPr lang="en-US" sz="1600" dirty="0">
@@ -18633,95 +18694,8 @@
                 </a:solidFill>
                 <a:sym typeface="Wingdings" panose="05000000000000000000" pitchFamily="2" charset="2"/>
               </a:rPr>
-              <a:t>(i.e. short shipping delay or possibility to buy without credit card).</a:t>
+              <a:t>of the polarity of current tweets about Air Paradis</a:t>
             </a:r>
-          </a:p>
-          <a:p>
-            <a:pPr lvl="2">
-              <a:buFont typeface="Wingdings" panose="05000000000000000000" pitchFamily="2" charset="2"/>
-              <a:buChar char="Ø"/>
-            </a:pPr>
-            <a:endParaRPr lang="en-US" sz="800" dirty="0">
-              <a:solidFill>
-                <a:schemeClr val="tx1"/>
-              </a:solidFill>
-              <a:sym typeface="Wingdings" panose="05000000000000000000" pitchFamily="2" charset="2"/>
-            </a:endParaRPr>
-          </a:p>
-          <a:p>
-            <a:pPr lvl="2">
-              <a:buFont typeface="Wingdings" panose="05000000000000000000" pitchFamily="2" charset="2"/>
-              <a:buChar char="Ø"/>
-            </a:pPr>
-            <a:r>
-              <a:rPr lang="en-US" sz="1600" dirty="0">
-                <a:solidFill>
-                  <a:schemeClr val="tx1"/>
-                </a:solidFill>
-                <a:sym typeface="Wingdings" panose="05000000000000000000" pitchFamily="2" charset="2"/>
-              </a:rPr>
-              <a:t>More generally, </a:t>
-            </a:r>
-            <a:r>
-              <a:rPr lang="en-US" sz="1600" b="1" dirty="0">
-                <a:solidFill>
-                  <a:schemeClr val="tx1"/>
-                </a:solidFill>
-                <a:sym typeface="Wingdings" panose="05000000000000000000" pitchFamily="2" charset="2"/>
-              </a:rPr>
-              <a:t>target high paying customers with low cancellation rates.</a:t>
-            </a:r>
-            <a:endParaRPr lang="en-US" sz="1600" dirty="0">
-              <a:solidFill>
-                <a:schemeClr val="tx1"/>
-              </a:solidFill>
-              <a:sym typeface="Wingdings" panose="05000000000000000000" pitchFamily="2" charset="2"/>
-            </a:endParaRPr>
-          </a:p>
-          <a:p>
-            <a:pPr marL="171450" indent="0">
-              <a:buNone/>
-            </a:pPr>
-            <a:endParaRPr lang="en-US" sz="1600" dirty="0">
-              <a:solidFill>
-                <a:schemeClr val="tx1"/>
-              </a:solidFill>
-              <a:sym typeface="Wingdings" panose="05000000000000000000" pitchFamily="2" charset="2"/>
-            </a:endParaRPr>
-          </a:p>
-          <a:p>
-            <a:r>
-              <a:rPr lang="en-US" sz="1600" dirty="0">
-                <a:solidFill>
-                  <a:schemeClr val="tx1"/>
-                </a:solidFill>
-                <a:sym typeface="Wingdings" panose="05000000000000000000" pitchFamily="2" charset="2"/>
-              </a:rPr>
-              <a:t>The model could be improved by </a:t>
-            </a:r>
-            <a:r>
-              <a:rPr lang="en-US" sz="1600" b="1" dirty="0">
-                <a:solidFill>
-                  <a:schemeClr val="tx1"/>
-                </a:solidFill>
-                <a:sym typeface="Wingdings" panose="05000000000000000000" pitchFamily="2" charset="2"/>
-              </a:rPr>
-              <a:t>providing additional information like customer age and gender</a:t>
-            </a:r>
-            <a:endParaRPr lang="en-US" sz="1600" dirty="0">
-              <a:solidFill>
-                <a:schemeClr val="tx1"/>
-              </a:solidFill>
-              <a:sym typeface="Wingdings" panose="05000000000000000000" pitchFamily="2" charset="2"/>
-            </a:endParaRPr>
-          </a:p>
-          <a:p>
-            <a:endParaRPr lang="en-US" sz="1600" dirty="0">
-              <a:solidFill>
-                <a:schemeClr val="tx1"/>
-              </a:solidFill>
-              <a:sym typeface="Wingdings" panose="05000000000000000000" pitchFamily="2" charset="2"/>
-            </a:endParaRPr>
           </a:p>
         </p:txBody>
       </p:sp>
@@ -19199,7 +19173,7 @@
         </p:nvSpPr>
         <p:spPr>
           <a:xfrm>
-            <a:off x="323846" y="678675"/>
+            <a:off x="253391" y="264375"/>
             <a:ext cx="8637217" cy="4135415"/>
           </a:xfrm>
           <a:prstGeom prst="rect">
@@ -19462,6 +19436,9 @@
             </a:lvl9pPr>
           </a:lstStyle>
           <a:p>
+            <a:pPr marL="171450" indent="0">
+              <a:buNone/>
+            </a:pPr>
             <a:endParaRPr lang="en-US" sz="1600" dirty="0">
               <a:solidFill>
                 <a:srgbClr val="FF0000"/>
@@ -19678,29 +19655,50 @@
             </a:endParaRPr>
           </a:p>
           <a:p>
-            <a:endParaRPr lang="en-US" sz="1600" dirty="0">
-              <a:solidFill>
-                <a:schemeClr val="tx1"/>
-              </a:solidFill>
-              <a:sym typeface="Wingdings" panose="05000000000000000000" pitchFamily="2" charset="2"/>
-            </a:endParaRPr>
-          </a:p>
-          <a:p>
-            <a:r>
-              <a:rPr lang="en-US" sz="1600" dirty="0">
-                <a:solidFill>
-                  <a:schemeClr val="tx1"/>
-                </a:solidFill>
-                <a:sym typeface="Wingdings" panose="05000000000000000000" pitchFamily="2" charset="2"/>
-              </a:rPr>
-              <a:t>Extra task  Write a blog article comparing the 3 methods. </a:t>
-            </a:r>
             <a:endParaRPr lang="en-US" sz="1600" b="1" dirty="0">
               <a:solidFill>
                 <a:schemeClr val="tx1"/>
               </a:solidFill>
               <a:sym typeface="Wingdings" panose="05000000000000000000" pitchFamily="2" charset="2"/>
             </a:endParaRPr>
+          </a:p>
+          <a:p>
+            <a:r>
+              <a:rPr lang="en-US" sz="1600" b="1" dirty="0">
+                <a:solidFill>
+                  <a:schemeClr val="tx1"/>
+                </a:solidFill>
+                <a:sym typeface="Wingdings" panose="05000000000000000000" pitchFamily="2" charset="2"/>
+              </a:rPr>
+              <a:t>Limitation : </a:t>
+            </a:r>
+            <a:r>
+              <a:rPr lang="en-US" sz="1600" dirty="0">
+                <a:solidFill>
+                  <a:schemeClr val="tx1"/>
+                </a:solidFill>
+                <a:sym typeface="Wingdings" panose="05000000000000000000" pitchFamily="2" charset="2"/>
+              </a:rPr>
+              <a:t>Azure Credits not provided to student </a:t>
+            </a:r>
+            <a:r>
+              <a:rPr lang="en-US" sz="1600" b="1" dirty="0">
+                <a:solidFill>
+                  <a:schemeClr val="tx1"/>
+                </a:solidFill>
+                <a:sym typeface="Wingdings" panose="05000000000000000000" pitchFamily="2" charset="2"/>
+              </a:rPr>
+              <a:t> Only low performance computes could be used (trial account) </a:t>
+            </a:r>
+            <a:r>
+              <a:rPr lang="en-US" sz="1600" dirty="0">
+                <a:solidFill>
+                  <a:schemeClr val="tx1"/>
+                </a:solidFill>
+                <a:sym typeface="Wingdings" panose="05000000000000000000" pitchFamily="2" charset="2"/>
+              </a:rPr>
+              <a:t> Low number of training epochs and high training time</a:t>
+            </a:r>
           </a:p>
         </p:txBody>
       </p:sp>
@@ -19729,7 +19727,7 @@
               <a:rPr lang="fr-FR" smtClean="0"/>
               <a:t>3</a:t>
             </a:fld>
-            <a:endParaRPr lang="fr-FR"/>
+            <a:endParaRPr lang="fr-FR" dirty="0"/>
           </a:p>
         </p:txBody>
       </p:sp>

--- a/P7_04_Presentation.pptx
+++ b/P7_04_Presentation.pptx
@@ -18507,7 +18507,7 @@
                 </a:solidFill>
                 <a:sym typeface="Wingdings" panose="05000000000000000000" pitchFamily="2" charset="2"/>
               </a:rPr>
-              <a:t>Reconsider using commercial API  low accuracy (0.72) for high price.</a:t>
+              <a:t>Reconsider using commercial API  moderate accuracy (0.72) for high price.</a:t>
             </a:r>
           </a:p>
           <a:p>
@@ -22152,7 +22152,7 @@
                 </a:solidFill>
                 <a:sym typeface="Wingdings" panose="05000000000000000000" pitchFamily="2" charset="2"/>
               </a:rPr>
-              <a:t> Final Accuracy : XXX</a:t>
+              <a:t> Final Accuracy : 0,776 on test set</a:t>
             </a:r>
             <a:endParaRPr lang="en-US" sz="1400" dirty="0">
               <a:solidFill>
@@ -22261,6 +22261,110 @@
           </a:p>
         </p:txBody>
       </p:sp>
+      <p:pic>
+        <p:nvPicPr>
+          <p:cNvPr id="1026" name="Picture 2">
+            <a:extLst>
+              <a:ext uri="{FF2B5EF4-FFF2-40B4-BE49-F238E27FC236}">
+                <a16:creationId xmlns:a16="http://schemas.microsoft.com/office/drawing/2014/main" id="{BD929E8E-739A-6638-08E2-1FC9E3CBF36D}"/>
+              </a:ext>
+            </a:extLst>
+          </p:cNvPr>
+          <p:cNvPicPr>
+            <a:picLocks noChangeAspect="1" noChangeArrowheads="1"/>
+          </p:cNvPicPr>
+          <p:nvPr/>
+        </p:nvPicPr>
+        <p:blipFill>
+          <a:blip r:embed="rId3">
+            <a:extLst>
+              <a:ext uri="{28A0092B-C50C-407E-A947-70E740481C1C}">
+                <a14:useLocalDpi xmlns:a14="http://schemas.microsoft.com/office/drawing/2010/main" val="0"/>
+              </a:ext>
+            </a:extLst>
+          </a:blip>
+          <a:srcRect/>
+          <a:stretch>
+            <a:fillRect/>
+          </a:stretch>
+        </p:blipFill>
+        <p:spPr bwMode="auto">
+          <a:xfrm>
+            <a:off x="6267229" y="2450034"/>
+            <a:ext cx="1503425" cy="2693466"/>
+          </a:xfrm>
+          <a:prstGeom prst="rect">
+            <a:avLst/>
+          </a:prstGeom>
+          <a:noFill/>
+          <a:ln>
+            <a:solidFill>
+              <a:schemeClr val="tx1"/>
+            </a:solidFill>
+          </a:ln>
+          <a:extLst>
+            <a:ext uri="{909E8E84-426E-40DD-AFC4-6F175D3DCCD1}">
+              <a14:hiddenFill xmlns:a14="http://schemas.microsoft.com/office/drawing/2010/main">
+                <a:solidFill>
+                  <a:srgbClr val="FFFFFF"/>
+                </a:solidFill>
+              </a14:hiddenFill>
+            </a:ext>
+          </a:extLst>
+        </p:spPr>
+      </p:pic>
+      <p:pic>
+        <p:nvPicPr>
+          <p:cNvPr id="1028" name="Picture 4">
+            <a:extLst>
+              <a:ext uri="{FF2B5EF4-FFF2-40B4-BE49-F238E27FC236}">
+                <a16:creationId xmlns:a16="http://schemas.microsoft.com/office/drawing/2014/main" id="{618A3E1F-CC3C-773C-DA3B-27D4E62B34EF}"/>
+              </a:ext>
+            </a:extLst>
+          </p:cNvPr>
+          <p:cNvPicPr>
+            <a:picLocks noChangeAspect="1" noChangeArrowheads="1"/>
+          </p:cNvPicPr>
+          <p:nvPr/>
+        </p:nvPicPr>
+        <p:blipFill>
+          <a:blip r:embed="rId4">
+            <a:extLst>
+              <a:ext uri="{28A0092B-C50C-407E-A947-70E740481C1C}">
+                <a14:useLocalDpi xmlns:a14="http://schemas.microsoft.com/office/drawing/2010/main" val="0"/>
+              </a:ext>
+            </a:extLst>
+          </a:blip>
+          <a:srcRect/>
+          <a:stretch>
+            <a:fillRect/>
+          </a:stretch>
+        </p:blipFill>
+        <p:spPr bwMode="auto">
+          <a:xfrm>
+            <a:off x="4525279" y="15392"/>
+            <a:ext cx="4618721" cy="2414405"/>
+          </a:xfrm>
+          <a:prstGeom prst="rect">
+            <a:avLst/>
+          </a:prstGeom>
+          <a:noFill/>
+          <a:ln>
+            <a:solidFill>
+              <a:schemeClr val="tx1"/>
+            </a:solidFill>
+          </a:ln>
+          <a:extLst>
+            <a:ext uri="{909E8E84-426E-40DD-AFC4-6F175D3DCCD1}">
+              <a14:hiddenFill xmlns:a14="http://schemas.microsoft.com/office/drawing/2010/main">
+                <a:solidFill>
+                  <a:srgbClr val="FFFFFF"/>
+                </a:solidFill>
+              </a14:hiddenFill>
+            </a:ext>
+          </a:extLst>
+        </p:spPr>
+      </p:pic>
     </p:spTree>
     <p:extLst>
       <p:ext uri="{BB962C8B-B14F-4D97-AF65-F5344CB8AC3E}">

--- a/P7_04_Presentation.pptx
+++ b/P7_04_Presentation.pptx
@@ -402,7 +402,7 @@
           <a:p>
             <a:fld id="{61526798-42F7-47D7-A507-2FC2D437BC88}" type="datetimeFigureOut">
               <a:rPr lang="fr-FR" smtClean="0"/>
-              <a:t>21/10/2022</a:t>
+              <a:t>24/10/2022</a:t>
             </a:fld>
             <a:endParaRPr lang="fr-FR"/>
           </a:p>
@@ -17171,7 +17171,45 @@
                 <a:spcPct val="200000"/>
               </a:lnSpc>
             </a:pPr>
-            <a:endParaRPr lang="en-US" sz="1400" dirty="0">
+            <a:endParaRPr lang="en-US" sz="1400" b="1" dirty="0">
+              <a:solidFill>
+                <a:schemeClr val="tx1"/>
+              </a:solidFill>
+              <a:sym typeface="Wingdings" panose="05000000000000000000" pitchFamily="2" charset="2"/>
+            </a:endParaRPr>
+          </a:p>
+          <a:p>
+            <a:pPr>
+              <a:lnSpc>
+                <a:spcPct val="200000"/>
+              </a:lnSpc>
+            </a:pPr>
+            <a:r>
+              <a:rPr lang="en-US" sz="1400" b="1" dirty="0">
+                <a:solidFill>
+                  <a:schemeClr val="tx1"/>
+                </a:solidFill>
+                <a:sym typeface="Wingdings" panose="05000000000000000000" pitchFamily="2" charset="2"/>
+              </a:rPr>
+              <a:t>Final Accuracy = 0.67</a:t>
+            </a:r>
+          </a:p>
+          <a:p>
+            <a:pPr>
+              <a:lnSpc>
+                <a:spcPct val="200000"/>
+              </a:lnSpc>
+            </a:pPr>
+            <a:r>
+              <a:rPr lang="en-US" sz="1400" b="1" dirty="0">
+                <a:solidFill>
+                  <a:schemeClr val="tx1"/>
+                </a:solidFill>
+                <a:sym typeface="Wingdings" panose="05000000000000000000" pitchFamily="2" charset="2"/>
+              </a:rPr>
+              <a:t>ROC : 0.74, F1 Score : 0.68</a:t>
+            </a:r>
+            <a:endParaRPr lang="en-US" sz="1400" b="1" dirty="0">
               <a:solidFill>
                 <a:schemeClr val="tx1"/>
               </a:solidFill>
@@ -17184,25 +17222,7 @@
               </a:lnSpc>
               <a:buNone/>
             </a:pPr>
-            <a:r>
-              <a:rPr lang="en-US" sz="1400" dirty="0">
-                <a:solidFill>
-                  <a:schemeClr val="tx1"/>
-                </a:solidFill>
-                <a:sym typeface="Wingdings" panose="05000000000000000000" pitchFamily="2" charset="2"/>
-              </a:rPr>
-              <a:t> </a:t>
-            </a:r>
-            <a:r>
-              <a:rPr lang="en-US" sz="1400" b="1" dirty="0">
-                <a:solidFill>
-                  <a:schemeClr val="tx1"/>
-                </a:solidFill>
-                <a:sym typeface="Wingdings" panose="05000000000000000000" pitchFamily="2" charset="2"/>
-              </a:rPr>
-              <a:t>Final Accuracy = 0.673</a:t>
-            </a:r>
-            <a:endParaRPr lang="en-US" sz="1400" b="1" dirty="0">
+            <a:endParaRPr lang="en-US" sz="1400" dirty="0">
               <a:solidFill>
                 <a:schemeClr val="tx1"/>
               </a:solidFill>
@@ -17860,7 +17880,7 @@
                   <a:schemeClr val="tx1"/>
                 </a:solidFill>
               </a:rPr>
-              <a:t>Moderate Accuracy  </a:t>
+              <a:t>Good Accuracy  </a:t>
             </a:r>
             <a:r>
               <a:rPr lang="en-US" sz="1400" b="1" dirty="0">
@@ -17869,7 +17889,23 @@
                 </a:solidFill>
                 <a:sym typeface="Wingdings" panose="05000000000000000000" pitchFamily="2" charset="2"/>
               </a:rPr>
-              <a:t> 0.72</a:t>
+              <a:t> 0.76</a:t>
+            </a:r>
+          </a:p>
+          <a:p>
+            <a:pPr>
+              <a:lnSpc>
+                <a:spcPct val="200000"/>
+              </a:lnSpc>
+            </a:pPr>
+            <a:r>
+              <a:rPr lang="en-US" sz="1400" b="1" dirty="0">
+                <a:solidFill>
+                  <a:schemeClr val="tx1"/>
+                </a:solidFill>
+                <a:sym typeface="Wingdings" panose="05000000000000000000" pitchFamily="2" charset="2"/>
+              </a:rPr>
+              <a:t>ROC : 0.76, F1 Score = 0.78</a:t>
             </a:r>
             <a:endParaRPr lang="en-US" sz="1400" b="1" dirty="0">
               <a:solidFill>
@@ -18507,7 +18543,7 @@
                 </a:solidFill>
                 <a:sym typeface="Wingdings" panose="05000000000000000000" pitchFamily="2" charset="2"/>
               </a:rPr>
-              <a:t>Reconsider using commercial API  moderate accuracy (0.72) for high price.</a:t>
+              <a:t>Reconsider using commercial API  moderate accuracy (0.76) for high price.</a:t>
             </a:r>
           </a:p>
           <a:p>
@@ -21641,17 +21677,30 @@
                 </a:solidFill>
                 <a:sym typeface="Wingdings" panose="05000000000000000000" pitchFamily="2" charset="2"/>
               </a:rPr>
-              <a:t> Final Accuracy : 0.77, overfitting </a:t>
+              <a:t>Final Accuracy : 0.77</a:t>
             </a:r>
+          </a:p>
+          <a:p>
+            <a:pPr>
+              <a:lnSpc>
+                <a:spcPct val="150000"/>
+              </a:lnSpc>
+            </a:pPr>
             <a:r>
-              <a:rPr lang="en-US" sz="1400" dirty="0">
+              <a:rPr lang="en-US" sz="1400" b="1" dirty="0">
                 <a:solidFill>
                   <a:schemeClr val="tx1"/>
                 </a:solidFill>
                 <a:sym typeface="Wingdings" panose="05000000000000000000" pitchFamily="2" charset="2"/>
               </a:rPr>
-              <a:t>after 7 epochs</a:t>
+              <a:t>ROC : 0.86, F1 Score = 0.78</a:t>
             </a:r>
+            <a:endParaRPr lang="en-US" sz="1400" dirty="0">
+              <a:solidFill>
+                <a:schemeClr val="tx1"/>
+              </a:solidFill>
+              <a:sym typeface="Wingdings" panose="05000000000000000000" pitchFamily="2" charset="2"/>
+            </a:endParaRPr>
           </a:p>
           <a:p>
             <a:pPr marL="171450" indent="0">
@@ -22104,7 +22153,7 @@
                 </a:solidFill>
                 <a:sym typeface="Wingdings" panose="05000000000000000000" pitchFamily="2" charset="2"/>
               </a:rPr>
-              <a:t>CNN with Dropout layer</a:t>
+              <a:t>CNN with Dropout layer (high Recall)</a:t>
             </a:r>
           </a:p>
           <a:p>
@@ -22126,20 +22175,6 @@
             </a:r>
           </a:p>
           <a:p>
-            <a:pPr marL="628650" lvl="1" indent="0">
-              <a:lnSpc>
-                <a:spcPct val="200000"/>
-              </a:lnSpc>
-              <a:buNone/>
-            </a:pPr>
-            <a:endParaRPr lang="en-US" sz="1400" b="1" dirty="0">
-              <a:solidFill>
-                <a:schemeClr val="tx1"/>
-              </a:solidFill>
-              <a:sym typeface="Wingdings" panose="05000000000000000000" pitchFamily="2" charset="2"/>
-            </a:endParaRPr>
-          </a:p>
-          <a:p>
             <a:pPr>
               <a:lnSpc>
                 <a:spcPct val="150000"/>
@@ -22152,7 +22187,23 @@
                 </a:solidFill>
                 <a:sym typeface="Wingdings" panose="05000000000000000000" pitchFamily="2" charset="2"/>
               </a:rPr>
-              <a:t> Final Accuracy : 0,776 on test set</a:t>
+              <a:t>Final Accuracy : 0.80</a:t>
+            </a:r>
+          </a:p>
+          <a:p>
+            <a:pPr>
+              <a:lnSpc>
+                <a:spcPct val="150000"/>
+              </a:lnSpc>
+            </a:pPr>
+            <a:r>
+              <a:rPr lang="en-US" sz="1400" b="1" dirty="0">
+                <a:solidFill>
+                  <a:schemeClr val="tx1"/>
+                </a:solidFill>
+                <a:sym typeface="Wingdings" panose="05000000000000000000" pitchFamily="2" charset="2"/>
+              </a:rPr>
+              <a:t>ROC : 0.89, F1 Score : 0.81</a:t>
             </a:r>
             <a:endParaRPr lang="en-US" sz="1400" dirty="0">
               <a:solidFill>
